--- a/math2-r0-re-doubling.pptx
+++ b/math2-r0-re-doubling.pptx
@@ -3423,6 +3423,48 @@
           </a:p>
         </p:txBody>
       </p:sp>
+      <p:sp>
+        <p:nvSpPr>
+          <p:cNvPr id="4" name="Rectangle 3"/>
+          <p:cNvSpPr/>
+          <p:nvPr/>
+        </p:nvSpPr>
+        <p:spPr>
+          <a:xfrm>
+            <a:off x="655982" y="6064039"/>
+            <a:ext cx="10880035" cy="646331"/>
+          </a:xfrm>
+          <a:prstGeom prst="rect">
+            <a:avLst/>
+          </a:prstGeom>
+        </p:spPr>
+        <p:txBody>
+          <a:bodyPr wrap="square">
+            <a:spAutoFit/>
+          </a:bodyPr>
+          <a:lstStyle/>
+          <a:p>
+            <a:pPr>
+              <a:spcBef>
+                <a:spcPct val="0"/>
+              </a:spcBef>
+            </a:pPr>
+            <a:r>
+              <a:rPr lang="en-US" altLang="en-US" dirty="0">
+                <a:latin typeface="Arial" charset="0"/>
+                <a:ea typeface="Arial" charset="0"/>
+                <a:cs typeface="Arial" charset="0"/>
+              </a:rPr>
+              <a:t>This material is shared in the hope that it may prove helpful to some. It is in no way endorsed by, or the official policy of, the Department of Defense, the Air National Guard, or the California Military Department.</a:t>
+            </a:r>
+            <a:endParaRPr lang="en-US" altLang="en-US" dirty="0">
+              <a:latin typeface="Arial" charset="0"/>
+              <a:ea typeface="Arial" charset="0"/>
+              <a:cs typeface="Arial" charset="0"/>
+            </a:endParaRPr>
+          </a:p>
+        </p:txBody>
+      </p:sp>
     </p:spTree>
     <p:extLst>
       <p:ext uri="{BB962C8B-B14F-4D97-AF65-F5344CB8AC3E}">
@@ -6556,11 +6598,7 @@
           <a:p>
             <a:r>
               <a:rPr lang="en-US" dirty="0" smtClean="0"/>
-              <a:t>Doubling Time </a:t>
-            </a:r>
-            <a:r>
-              <a:rPr lang="en-US" dirty="0" smtClean="0"/>
-              <a:t>changes during epidemic</a:t>
+              <a:t>Doubling Time changes during epidemic</a:t>
             </a:r>
             <a:endParaRPr lang="en-US" dirty="0"/>
           </a:p>
@@ -6653,11 +6691,7 @@
             </a:r>
             <a:r>
               <a:rPr lang="en-US" b="1" dirty="0" smtClean="0"/>
-              <a:t>s </a:t>
-            </a:r>
-            <a:r>
-              <a:rPr lang="en-US" b="1" dirty="0" smtClean="0"/>
-              <a:t>1.9 days in</a:t>
+              <a:t>s 1.9 days in</a:t>
             </a:r>
           </a:p>
           <a:p>
@@ -6705,11 +6739,7 @@
             </a:r>
             <a:r>
               <a:rPr lang="en-US" b="1" dirty="0" smtClean="0"/>
-              <a:t>s </a:t>
-            </a:r>
-            <a:r>
-              <a:rPr lang="en-US" b="1" dirty="0" smtClean="0"/>
-              <a:t>3.4 days later</a:t>
+              <a:t>s 3.4 days later</a:t>
             </a:r>
           </a:p>
           <a:p>
@@ -6719,11 +6749,7 @@
             </a:r>
             <a:r>
               <a:rPr lang="en-US" b="1" dirty="0" smtClean="0"/>
-              <a:t>n </a:t>
-            </a:r>
-            <a:r>
-              <a:rPr lang="en-US" b="1" dirty="0" smtClean="0"/>
-              <a:t>March – epidemic</a:t>
+              <a:t>n March – epidemic</a:t>
             </a:r>
           </a:p>
           <a:p>
@@ -6733,11 +6759,7 @@
             </a:r>
             <a:r>
               <a:rPr lang="en-US" b="1" dirty="0" smtClean="0"/>
-              <a:t>s </a:t>
-            </a:r>
-            <a:r>
-              <a:rPr lang="en-US" b="1" dirty="0" smtClean="0"/>
-              <a:t>growing more</a:t>
+              <a:t>s growing more</a:t>
             </a:r>
           </a:p>
           <a:p>
